--- a/Instructions/Instruction for experimenter.pptx
+++ b/Instructions/Instruction for experimenter.pptx
@@ -201,7 +201,7 @@
           <a:p>
             <a:fld id="{024A5357-A753-4D39-8A2E-56E39FBFD254}" type="datetimeFigureOut">
               <a:rPr lang="en-US" smtClean="0"/>
-              <a:t>07.08.2020</a:t>
+              <a:t>12.08.2020</a:t>
             </a:fld>
             <a:endParaRPr lang="en-US"/>
           </a:p>
@@ -683,7 +683,7 @@
           <a:p>
             <a:fld id="{D1CB3D34-4A5F-4479-84DC-395EB63EC8BA}" type="datetimeFigureOut">
               <a:rPr lang="en-US" smtClean="0"/>
-              <a:t>07.08.2020</a:t>
+              <a:t>12.08.2020</a:t>
             </a:fld>
             <a:endParaRPr lang="en-US"/>
           </a:p>
@@ -853,7 +853,7 @@
           <a:p>
             <a:fld id="{D1CB3D34-4A5F-4479-84DC-395EB63EC8BA}" type="datetimeFigureOut">
               <a:rPr lang="en-US" smtClean="0"/>
-              <a:t>07.08.2020</a:t>
+              <a:t>12.08.2020</a:t>
             </a:fld>
             <a:endParaRPr lang="en-US"/>
           </a:p>
@@ -1033,7 +1033,7 @@
           <a:p>
             <a:fld id="{D1CB3D34-4A5F-4479-84DC-395EB63EC8BA}" type="datetimeFigureOut">
               <a:rPr lang="en-US" smtClean="0"/>
-              <a:t>07.08.2020</a:t>
+              <a:t>12.08.2020</a:t>
             </a:fld>
             <a:endParaRPr lang="en-US"/>
           </a:p>
@@ -1203,7 +1203,7 @@
           <a:p>
             <a:fld id="{D1CB3D34-4A5F-4479-84DC-395EB63EC8BA}" type="datetimeFigureOut">
               <a:rPr lang="en-US" smtClean="0"/>
-              <a:t>07.08.2020</a:t>
+              <a:t>12.08.2020</a:t>
             </a:fld>
             <a:endParaRPr lang="en-US"/>
           </a:p>
@@ -1449,7 +1449,7 @@
           <a:p>
             <a:fld id="{D1CB3D34-4A5F-4479-84DC-395EB63EC8BA}" type="datetimeFigureOut">
               <a:rPr lang="en-US" smtClean="0"/>
-              <a:t>07.08.2020</a:t>
+              <a:t>12.08.2020</a:t>
             </a:fld>
             <a:endParaRPr lang="en-US"/>
           </a:p>
@@ -1681,7 +1681,7 @@
           <a:p>
             <a:fld id="{D1CB3D34-4A5F-4479-84DC-395EB63EC8BA}" type="datetimeFigureOut">
               <a:rPr lang="en-US" smtClean="0"/>
-              <a:t>07.08.2020</a:t>
+              <a:t>12.08.2020</a:t>
             </a:fld>
             <a:endParaRPr lang="en-US"/>
           </a:p>
@@ -2048,7 +2048,7 @@
           <a:p>
             <a:fld id="{D1CB3D34-4A5F-4479-84DC-395EB63EC8BA}" type="datetimeFigureOut">
               <a:rPr lang="en-US" smtClean="0"/>
-              <a:t>07.08.2020</a:t>
+              <a:t>12.08.2020</a:t>
             </a:fld>
             <a:endParaRPr lang="en-US"/>
           </a:p>
@@ -2166,7 +2166,7 @@
           <a:p>
             <a:fld id="{D1CB3D34-4A5F-4479-84DC-395EB63EC8BA}" type="datetimeFigureOut">
               <a:rPr lang="en-US" smtClean="0"/>
-              <a:t>07.08.2020</a:t>
+              <a:t>12.08.2020</a:t>
             </a:fld>
             <a:endParaRPr lang="en-US"/>
           </a:p>
@@ -2261,7 +2261,7 @@
           <a:p>
             <a:fld id="{D1CB3D34-4A5F-4479-84DC-395EB63EC8BA}" type="datetimeFigureOut">
               <a:rPr lang="en-US" smtClean="0"/>
-              <a:t>07.08.2020</a:t>
+              <a:t>12.08.2020</a:t>
             </a:fld>
             <a:endParaRPr lang="en-US"/>
           </a:p>
@@ -2538,7 +2538,7 @@
           <a:p>
             <a:fld id="{D1CB3D34-4A5F-4479-84DC-395EB63EC8BA}" type="datetimeFigureOut">
               <a:rPr lang="en-US" smtClean="0"/>
-              <a:t>07.08.2020</a:t>
+              <a:t>12.08.2020</a:t>
             </a:fld>
             <a:endParaRPr lang="en-US"/>
           </a:p>
@@ -2791,7 +2791,7 @@
           <a:p>
             <a:fld id="{D1CB3D34-4A5F-4479-84DC-395EB63EC8BA}" type="datetimeFigureOut">
               <a:rPr lang="en-US" smtClean="0"/>
-              <a:t>07.08.2020</a:t>
+              <a:t>12.08.2020</a:t>
             </a:fld>
             <a:endParaRPr lang="en-US"/>
           </a:p>
@@ -3004,7 +3004,7 @@
           <a:p>
             <a:fld id="{D1CB3D34-4A5F-4479-84DC-395EB63EC8BA}" type="datetimeFigureOut">
               <a:rPr lang="en-US" smtClean="0"/>
-              <a:t>07.08.2020</a:t>
+              <a:t>12.08.2020</a:t>
             </a:fld>
             <a:endParaRPr lang="en-US"/>
           </a:p>
@@ -4232,7 +4232,7 @@
         <p:spPr>
           <a:xfrm>
             <a:off x="561975" y="914400"/>
-            <a:ext cx="11068050" cy="2862322"/>
+            <a:ext cx="11068050" cy="2585323"/>
           </a:xfrm>
           <a:prstGeom prst="rect">
             <a:avLst/>
@@ -4273,21 +4273,15 @@
             </a:r>
             <a:r>
               <a:rPr lang="en-US" dirty="0"/>
-              <a:t> What was your perception of 3 disks? Moving left-and-right in concert or flickering on-and-off?</a:t>
-            </a:r>
-            <a:br>
-              <a:rPr lang="en-US" dirty="0"/>
-            </a:br>
-            <a:r>
-              <a:rPr lang="en-US" dirty="0"/>
-              <a:t>                  (1) each disk was flickering on-and-off        </a:t>
-            </a:r>
-            <a:r>
-              <a:rPr lang="en-US" dirty="0">
-                <a:sym typeface="Wingdings" panose="05000000000000000000" pitchFamily="2" charset="2"/>
-              </a:rPr>
-              <a:t>       (5) 3 disks were moving left-and-right in concert</a:t>
-            </a:r>
+              <a:t> ‘Instruction </a:t>
+            </a:r>
+            <a:r>
+              <a:rPr lang="en-US"/>
+              <a:t>for observers_9_questionnaire.pptx’</a:t>
+            </a:r>
+            <a:endParaRPr lang="en-US" dirty="0">
+              <a:sym typeface="Wingdings" panose="05000000000000000000" pitchFamily="2" charset="2"/>
+            </a:endParaRPr>
           </a:p>
           <a:p>
             <a:pPr marL="742950" lvl="1" indent="-285750">

--- a/Instructions/Instruction for experimenter.pptx
+++ b/Instructions/Instruction for experimenter.pptx
@@ -201,7 +201,7 @@
           <a:p>
             <a:fld id="{024A5357-A753-4D39-8A2E-56E39FBFD254}" type="datetimeFigureOut">
               <a:rPr lang="en-US" smtClean="0"/>
-              <a:t>12.08.2020</a:t>
+              <a:t>19.08.2020</a:t>
             </a:fld>
             <a:endParaRPr lang="en-US"/>
           </a:p>
@@ -683,7 +683,7 @@
           <a:p>
             <a:fld id="{D1CB3D34-4A5F-4479-84DC-395EB63EC8BA}" type="datetimeFigureOut">
               <a:rPr lang="en-US" smtClean="0"/>
-              <a:t>12.08.2020</a:t>
+              <a:t>19.08.2020</a:t>
             </a:fld>
             <a:endParaRPr lang="en-US"/>
           </a:p>
@@ -853,7 +853,7 @@
           <a:p>
             <a:fld id="{D1CB3D34-4A5F-4479-84DC-395EB63EC8BA}" type="datetimeFigureOut">
               <a:rPr lang="en-US" smtClean="0"/>
-              <a:t>12.08.2020</a:t>
+              <a:t>19.08.2020</a:t>
             </a:fld>
             <a:endParaRPr lang="en-US"/>
           </a:p>
@@ -1033,7 +1033,7 @@
           <a:p>
             <a:fld id="{D1CB3D34-4A5F-4479-84DC-395EB63EC8BA}" type="datetimeFigureOut">
               <a:rPr lang="en-US" smtClean="0"/>
-              <a:t>12.08.2020</a:t>
+              <a:t>19.08.2020</a:t>
             </a:fld>
             <a:endParaRPr lang="en-US"/>
           </a:p>
@@ -1203,7 +1203,7 @@
           <a:p>
             <a:fld id="{D1CB3D34-4A5F-4479-84DC-395EB63EC8BA}" type="datetimeFigureOut">
               <a:rPr lang="en-US" smtClean="0"/>
-              <a:t>12.08.2020</a:t>
+              <a:t>19.08.2020</a:t>
             </a:fld>
             <a:endParaRPr lang="en-US"/>
           </a:p>
@@ -1449,7 +1449,7 @@
           <a:p>
             <a:fld id="{D1CB3D34-4A5F-4479-84DC-395EB63EC8BA}" type="datetimeFigureOut">
               <a:rPr lang="en-US" smtClean="0"/>
-              <a:t>12.08.2020</a:t>
+              <a:t>19.08.2020</a:t>
             </a:fld>
             <a:endParaRPr lang="en-US"/>
           </a:p>
@@ -1681,7 +1681,7 @@
           <a:p>
             <a:fld id="{D1CB3D34-4A5F-4479-84DC-395EB63EC8BA}" type="datetimeFigureOut">
               <a:rPr lang="en-US" smtClean="0"/>
-              <a:t>12.08.2020</a:t>
+              <a:t>19.08.2020</a:t>
             </a:fld>
             <a:endParaRPr lang="en-US"/>
           </a:p>
@@ -2048,7 +2048,7 @@
           <a:p>
             <a:fld id="{D1CB3D34-4A5F-4479-84DC-395EB63EC8BA}" type="datetimeFigureOut">
               <a:rPr lang="en-US" smtClean="0"/>
-              <a:t>12.08.2020</a:t>
+              <a:t>19.08.2020</a:t>
             </a:fld>
             <a:endParaRPr lang="en-US"/>
           </a:p>
@@ -2166,7 +2166,7 @@
           <a:p>
             <a:fld id="{D1CB3D34-4A5F-4479-84DC-395EB63EC8BA}" type="datetimeFigureOut">
               <a:rPr lang="en-US" smtClean="0"/>
-              <a:t>12.08.2020</a:t>
+              <a:t>19.08.2020</a:t>
             </a:fld>
             <a:endParaRPr lang="en-US"/>
           </a:p>
@@ -2261,7 +2261,7 @@
           <a:p>
             <a:fld id="{D1CB3D34-4A5F-4479-84DC-395EB63EC8BA}" type="datetimeFigureOut">
               <a:rPr lang="en-US" smtClean="0"/>
-              <a:t>12.08.2020</a:t>
+              <a:t>19.08.2020</a:t>
             </a:fld>
             <a:endParaRPr lang="en-US"/>
           </a:p>
@@ -2538,7 +2538,7 @@
           <a:p>
             <a:fld id="{D1CB3D34-4A5F-4479-84DC-395EB63EC8BA}" type="datetimeFigureOut">
               <a:rPr lang="en-US" smtClean="0"/>
-              <a:t>12.08.2020</a:t>
+              <a:t>19.08.2020</a:t>
             </a:fld>
             <a:endParaRPr lang="en-US"/>
           </a:p>
@@ -2791,7 +2791,7 @@
           <a:p>
             <a:fld id="{D1CB3D34-4A5F-4479-84DC-395EB63EC8BA}" type="datetimeFigureOut">
               <a:rPr lang="en-US" smtClean="0"/>
-              <a:t>12.08.2020</a:t>
+              <a:t>19.08.2020</a:t>
             </a:fld>
             <a:endParaRPr lang="en-US"/>
           </a:p>
@@ -3004,7 +3004,7 @@
           <a:p>
             <a:fld id="{D1CB3D34-4A5F-4479-84DC-395EB63EC8BA}" type="datetimeFigureOut">
               <a:rPr lang="en-US" smtClean="0"/>
-              <a:t>12.08.2020</a:t>
+              <a:t>19.08.2020</a:t>
             </a:fld>
             <a:endParaRPr lang="en-US"/>
           </a:p>
